--- a/experiments/mPCBA feesibility/mPCBA Feesibility Experiments.pptx
+++ b/experiments/mPCBA feesibility/mPCBA Feesibility Experiments.pptx
@@ -9,6 +9,7 @@
     <p:sldId id="257" r:id="rId3"/>
     <p:sldId id="258" r:id="rId4"/>
     <p:sldId id="259" r:id="rId5"/>
+    <p:sldId id="260" r:id="rId6"/>
   </p:sldIdLst>
   <p:sldSz cx="12192000" cy="6858000"/>
   <p:notesSz cx="6858000" cy="9144000"/>
@@ -107,7 +108,33 @@
       </a:defRPr>
     </a:lvl9pPr>
   </p:defaultTextStyle>
+  <p:extLst>
+    <p:ext uri="{EFAFB233-063F-42B5-8137-9DF3F51BA10A}">
+      <p15:sldGuideLst xmlns:p15="http://schemas.microsoft.com/office/powerpoint/2012/main"/>
+    </p:ext>
+  </p:extLst>
 </p:presentation>
+</file>
+
+<file path=ppt/changesInfos/changesInfo1.xml><?xml version="1.0" encoding="utf-8"?>
+<pc:chgInfo xmlns:a="http://schemas.openxmlformats.org/drawingml/2006/main" xmlns:r="http://schemas.openxmlformats.org/officeDocument/2006/relationships" xmlns:ac="http://schemas.microsoft.com/office/drawing/2013/main/command" xmlns:pc="http://schemas.microsoft.com/office/powerpoint/2013/main/command">
+  <pc:docChgLst>
+    <pc:chgData name="md.anderson03@gmail.com" userId="9775220ff73936ab" providerId="LiveId" clId="{289A6D32-E10C-4689-AF47-07DDAB4C0948}"/>
+    <pc:docChg chg="addSld">
+      <pc:chgData name="md.anderson03@gmail.com" userId="9775220ff73936ab" providerId="LiveId" clId="{289A6D32-E10C-4689-AF47-07DDAB4C0948}" dt="2022-08-01T13:35:22.248" v="0" actId="680"/>
+      <pc:docMkLst>
+        <pc:docMk/>
+      </pc:docMkLst>
+      <pc:sldChg chg="new">
+        <pc:chgData name="md.anderson03@gmail.com" userId="9775220ff73936ab" providerId="LiveId" clId="{289A6D32-E10C-4689-AF47-07DDAB4C0948}" dt="2022-08-01T13:35:22.248" v="0" actId="680"/>
+        <pc:sldMkLst>
+          <pc:docMk/>
+          <pc:sldMk cId="1802526487" sldId="260"/>
+        </pc:sldMkLst>
+      </pc:sldChg>
+    </pc:docChg>
+  </pc:docChgLst>
+</pc:chgInfo>
 </file>
 
 <file path=ppt/slideLayouts/slideLayout1.xml><?xml version="1.0" encoding="utf-8"?>
@@ -257,7 +284,7 @@
           <a:p>
             <a:fld id="{961719D5-0F7A-45E3-8963-3D008E7818F9}" type="datetimeFigureOut">
               <a:rPr lang="en-US" smtClean="0"/>
-              <a:t>7/29/2022</a:t>
+              <a:t>8/1/2022</a:t>
             </a:fld>
             <a:endParaRPr lang="en-US"/>
           </a:p>
@@ -455,7 +482,7 @@
           <a:p>
             <a:fld id="{961719D5-0F7A-45E3-8963-3D008E7818F9}" type="datetimeFigureOut">
               <a:rPr lang="en-US" smtClean="0"/>
-              <a:t>7/29/2022</a:t>
+              <a:t>8/1/2022</a:t>
             </a:fld>
             <a:endParaRPr lang="en-US"/>
           </a:p>
@@ -663,7 +690,7 @@
           <a:p>
             <a:fld id="{961719D5-0F7A-45E3-8963-3D008E7818F9}" type="datetimeFigureOut">
               <a:rPr lang="en-US" smtClean="0"/>
-              <a:t>7/29/2022</a:t>
+              <a:t>8/1/2022</a:t>
             </a:fld>
             <a:endParaRPr lang="en-US"/>
           </a:p>
@@ -861,7 +888,7 @@
           <a:p>
             <a:fld id="{961719D5-0F7A-45E3-8963-3D008E7818F9}" type="datetimeFigureOut">
               <a:rPr lang="en-US" smtClean="0"/>
-              <a:t>7/29/2022</a:t>
+              <a:t>8/1/2022</a:t>
             </a:fld>
             <a:endParaRPr lang="en-US"/>
           </a:p>
@@ -1136,7 +1163,7 @@
           <a:p>
             <a:fld id="{961719D5-0F7A-45E3-8963-3D008E7818F9}" type="datetimeFigureOut">
               <a:rPr lang="en-US" smtClean="0"/>
-              <a:t>7/29/2022</a:t>
+              <a:t>8/1/2022</a:t>
             </a:fld>
             <a:endParaRPr lang="en-US"/>
           </a:p>
@@ -1401,7 +1428,7 @@
           <a:p>
             <a:fld id="{961719D5-0F7A-45E3-8963-3D008E7818F9}" type="datetimeFigureOut">
               <a:rPr lang="en-US" smtClean="0"/>
-              <a:t>7/29/2022</a:t>
+              <a:t>8/1/2022</a:t>
             </a:fld>
             <a:endParaRPr lang="en-US"/>
           </a:p>
@@ -1813,7 +1840,7 @@
           <a:p>
             <a:fld id="{961719D5-0F7A-45E3-8963-3D008E7818F9}" type="datetimeFigureOut">
               <a:rPr lang="en-US" smtClean="0"/>
-              <a:t>7/29/2022</a:t>
+              <a:t>8/1/2022</a:t>
             </a:fld>
             <a:endParaRPr lang="en-US"/>
           </a:p>
@@ -1954,7 +1981,7 @@
           <a:p>
             <a:fld id="{961719D5-0F7A-45E3-8963-3D008E7818F9}" type="datetimeFigureOut">
               <a:rPr lang="en-US" smtClean="0"/>
-              <a:t>7/29/2022</a:t>
+              <a:t>8/1/2022</a:t>
             </a:fld>
             <a:endParaRPr lang="en-US"/>
           </a:p>
@@ -2067,7 +2094,7 @@
           <a:p>
             <a:fld id="{961719D5-0F7A-45E3-8963-3D008E7818F9}" type="datetimeFigureOut">
               <a:rPr lang="en-US" smtClean="0"/>
-              <a:t>7/29/2022</a:t>
+              <a:t>8/1/2022</a:t>
             </a:fld>
             <a:endParaRPr lang="en-US"/>
           </a:p>
@@ -2378,7 +2405,7 @@
           <a:p>
             <a:fld id="{961719D5-0F7A-45E3-8963-3D008E7818F9}" type="datetimeFigureOut">
               <a:rPr lang="en-US" smtClean="0"/>
-              <a:t>7/29/2022</a:t>
+              <a:t>8/1/2022</a:t>
             </a:fld>
             <a:endParaRPr lang="en-US"/>
           </a:p>
@@ -2666,7 +2693,7 @@
           <a:p>
             <a:fld id="{961719D5-0F7A-45E3-8963-3D008E7818F9}" type="datetimeFigureOut">
               <a:rPr lang="en-US" smtClean="0"/>
-              <a:t>7/29/2022</a:t>
+              <a:t>8/1/2022</a:t>
             </a:fld>
             <a:endParaRPr lang="en-US"/>
           </a:p>
@@ -2907,7 +2934,7 @@
           <a:p>
             <a:fld id="{961719D5-0F7A-45E3-8963-3D008E7818F9}" type="datetimeFigureOut">
               <a:rPr lang="en-US" smtClean="0"/>
-              <a:t>7/29/2022</a:t>
+              <a:t>8/1/2022</a:t>
             </a:fld>
             <a:endParaRPr lang="en-US"/>
           </a:p>
@@ -3630,7 +3657,13 @@
                   <p:embed/>
                   <p:pic>
                     <p:nvPicPr>
-                      <p:cNvPr id="0" name=""/>
+                      <p:cNvPr id="4" name="Object 3">
+                        <a:extLst>
+                          <a:ext uri="{FF2B5EF4-FFF2-40B4-BE49-F238E27FC236}">
+                            <a16:creationId xmlns:a16="http://schemas.microsoft.com/office/drawing/2014/main" id="{46397869-9295-6656-BAEB-0F8BA8BFB49E}"/>
+                          </a:ext>
+                        </a:extLst>
+                      </p:cNvPr>
                       <p:cNvPicPr/>
                       <p:nvPr/>
                     </p:nvPicPr>
@@ -3813,6 +3846,86 @@
     <p:extLst>
       <p:ext uri="{BB962C8B-B14F-4D97-AF65-F5344CB8AC3E}">
         <p14:creationId xmlns:p14="http://schemas.microsoft.com/office/powerpoint/2010/main" val="1561516317"/>
+      </p:ext>
+    </p:extLst>
+  </p:cSld>
+  <p:clrMapOvr>
+    <a:masterClrMapping/>
+  </p:clrMapOvr>
+</p:sld>
+</file>
+
+<file path=ppt/slides/slide5.xml><?xml version="1.0" encoding="utf-8"?>
+<p:sld xmlns:a="http://schemas.openxmlformats.org/drawingml/2006/main" xmlns:r="http://schemas.openxmlformats.org/officeDocument/2006/relationships" xmlns:p="http://schemas.openxmlformats.org/presentationml/2006/main">
+  <p:cSld>
+    <p:spTree>
+      <p:nvGrpSpPr>
+        <p:cNvPr id="1" name=""/>
+        <p:cNvGrpSpPr/>
+        <p:nvPr/>
+      </p:nvGrpSpPr>
+      <p:grpSpPr>
+        <a:xfrm>
+          <a:off x="0" y="0"/>
+          <a:ext cx="0" cy="0"/>
+          <a:chOff x="0" y="0"/>
+          <a:chExt cx="0" cy="0"/>
+        </a:xfrm>
+      </p:grpSpPr>
+      <p:sp>
+        <p:nvSpPr>
+          <p:cNvPr id="2" name="Title 1">
+            <a:extLst>
+              <a:ext uri="{FF2B5EF4-FFF2-40B4-BE49-F238E27FC236}">
+                <a16:creationId xmlns:a16="http://schemas.microsoft.com/office/drawing/2014/main" id="{66E239AD-4C1D-4EDC-A645-AEF733703305}"/>
+              </a:ext>
+            </a:extLst>
+          </p:cNvPr>
+          <p:cNvSpPr>
+            <a:spLocks noGrp="1"/>
+          </p:cNvSpPr>
+          <p:nvPr>
+            <p:ph type="title"/>
+          </p:nvPr>
+        </p:nvSpPr>
+        <p:spPr/>
+        <p:txBody>
+          <a:bodyPr/>
+          <a:lstStyle/>
+          <a:p>
+            <a:endParaRPr lang="en-US"/>
+          </a:p>
+        </p:txBody>
+      </p:sp>
+      <p:sp>
+        <p:nvSpPr>
+          <p:cNvPr id="3" name="Content Placeholder 2">
+            <a:extLst>
+              <a:ext uri="{FF2B5EF4-FFF2-40B4-BE49-F238E27FC236}">
+                <a16:creationId xmlns:a16="http://schemas.microsoft.com/office/drawing/2014/main" id="{DBCF31ED-8BB3-4E5B-A120-A2DEEED763CC}"/>
+              </a:ext>
+            </a:extLst>
+          </p:cNvPr>
+          <p:cNvSpPr>
+            <a:spLocks noGrp="1"/>
+          </p:cNvSpPr>
+          <p:nvPr>
+            <p:ph idx="1"/>
+          </p:nvPr>
+        </p:nvSpPr>
+        <p:spPr/>
+        <p:txBody>
+          <a:bodyPr/>
+          <a:lstStyle/>
+          <a:p>
+            <a:endParaRPr lang="en-US"/>
+          </a:p>
+        </p:txBody>
+      </p:sp>
+    </p:spTree>
+    <p:extLst>
+      <p:ext uri="{BB962C8B-B14F-4D97-AF65-F5344CB8AC3E}">
+        <p14:creationId xmlns:p14="http://schemas.microsoft.com/office/powerpoint/2010/main" val="1802526487"/>
       </p:ext>
     </p:extLst>
   </p:cSld>
